--- a/Документация и картинки/Презентация на защиту.pptx
+++ b/Документация и картинки/Презентация на защиту.pptx
@@ -14,7 +14,10 @@
     <p:sldId id="262" r:id="rId8"/>
     <p:sldId id="265" r:id="rId9"/>
     <p:sldId id="266" r:id="rId10"/>
-    <p:sldId id="268" r:id="rId11"/>
+    <p:sldId id="270" r:id="rId11"/>
+    <p:sldId id="271" r:id="rId12"/>
+    <p:sldId id="272" r:id="rId13"/>
+    <p:sldId id="268" r:id="rId14"/>
   </p:sldIdLst>
   <p:sldSz cx="9144000" cy="6858000" type="screen4x3"/>
   <p:notesSz cx="6858000" cy="9144000"/>
@@ -432,7 +435,7 @@
           <a:p>
             <a:fld id="{D174C4E5-89D9-46D8-8895-5B68F99C9B1B}" type="datetimeFigureOut">
               <a:rPr lang="ru-RU" smtClean="0"/>
-              <a:t>21.03.2021</a:t>
+              <a:t>23.03.2021</a:t>
             </a:fld>
             <a:endParaRPr lang="ru-RU"/>
           </a:p>
@@ -607,7 +610,7 @@
           <a:p>
             <a:fld id="{D174C4E5-89D9-46D8-8895-5B68F99C9B1B}" type="datetimeFigureOut">
               <a:rPr lang="ru-RU" smtClean="0"/>
-              <a:t>21.03.2021</a:t>
+              <a:t>23.03.2021</a:t>
             </a:fld>
             <a:endParaRPr lang="ru-RU"/>
           </a:p>
@@ -782,7 +785,7 @@
           <a:p>
             <a:fld id="{D174C4E5-89D9-46D8-8895-5B68F99C9B1B}" type="datetimeFigureOut">
               <a:rPr lang="ru-RU" smtClean="0"/>
-              <a:t>21.03.2021</a:t>
+              <a:t>23.03.2021</a:t>
             </a:fld>
             <a:endParaRPr lang="ru-RU"/>
           </a:p>
@@ -957,7 +960,7 @@
           <a:p>
             <a:fld id="{D174C4E5-89D9-46D8-8895-5B68F99C9B1B}" type="datetimeFigureOut">
               <a:rPr lang="ru-RU" smtClean="0"/>
-              <a:t>21.03.2021</a:t>
+              <a:t>23.03.2021</a:t>
             </a:fld>
             <a:endParaRPr lang="ru-RU"/>
           </a:p>
@@ -1328,7 +1331,7 @@
           <a:p>
             <a:fld id="{D174C4E5-89D9-46D8-8895-5B68F99C9B1B}" type="datetimeFigureOut">
               <a:rPr lang="ru-RU" smtClean="0"/>
-              <a:t>21.03.2021</a:t>
+              <a:t>23.03.2021</a:t>
             </a:fld>
             <a:endParaRPr lang="ru-RU"/>
           </a:p>
@@ -1589,7 +1592,7 @@
           <a:p>
             <a:fld id="{D174C4E5-89D9-46D8-8895-5B68F99C9B1B}" type="datetimeFigureOut">
               <a:rPr lang="ru-RU" smtClean="0"/>
-              <a:t>21.03.2021</a:t>
+              <a:t>23.03.2021</a:t>
             </a:fld>
             <a:endParaRPr lang="ru-RU"/>
           </a:p>
@@ -1968,7 +1971,7 @@
           <a:p>
             <a:fld id="{D174C4E5-89D9-46D8-8895-5B68F99C9B1B}" type="datetimeFigureOut">
               <a:rPr lang="ru-RU" smtClean="0"/>
-              <a:t>21.03.2021</a:t>
+              <a:t>23.03.2021</a:t>
             </a:fld>
             <a:endParaRPr lang="ru-RU"/>
           </a:p>
@@ -2081,7 +2084,7 @@
           <a:p>
             <a:fld id="{D174C4E5-89D9-46D8-8895-5B68F99C9B1B}" type="datetimeFigureOut">
               <a:rPr lang="ru-RU" smtClean="0"/>
-              <a:t>21.03.2021</a:t>
+              <a:t>23.03.2021</a:t>
             </a:fld>
             <a:endParaRPr lang="ru-RU"/>
           </a:p>
@@ -2253,7 +2256,7 @@
           <a:p>
             <a:fld id="{D174C4E5-89D9-46D8-8895-5B68F99C9B1B}" type="datetimeFigureOut">
               <a:rPr lang="ru-RU" smtClean="0"/>
-              <a:t>21.03.2021</a:t>
+              <a:t>23.03.2021</a:t>
             </a:fld>
             <a:endParaRPr lang="ru-RU"/>
           </a:p>
@@ -2581,7 +2584,7 @@
           <a:p>
             <a:fld id="{D174C4E5-89D9-46D8-8895-5B68F99C9B1B}" type="datetimeFigureOut">
               <a:rPr lang="ru-RU" smtClean="0"/>
-              <a:t>21.03.2021</a:t>
+              <a:t>23.03.2021</a:t>
             </a:fld>
             <a:endParaRPr lang="ru-RU"/>
           </a:p>
@@ -2940,7 +2943,7 @@
           <a:p>
             <a:fld id="{D174C4E5-89D9-46D8-8895-5B68F99C9B1B}" type="datetimeFigureOut">
               <a:rPr lang="ru-RU" smtClean="0"/>
-              <a:t>21.03.2021</a:t>
+              <a:t>23.03.2021</a:t>
             </a:fld>
             <a:endParaRPr lang="ru-RU"/>
           </a:p>
@@ -3346,7 +3349,7 @@
           <a:p>
             <a:fld id="{D174C4E5-89D9-46D8-8895-5B68F99C9B1B}" type="datetimeFigureOut">
               <a:rPr lang="ru-RU" smtClean="0"/>
-              <a:t>21.03.2021</a:t>
+              <a:t>23.03.2021</a:t>
             </a:fld>
             <a:endParaRPr lang="ru-RU"/>
           </a:p>
@@ -3804,37 +3807,45 @@
         </p:spPr>
         <p:txBody>
           <a:bodyPr>
-            <a:normAutofit fontScale="90000"/>
+            <a:noAutofit/>
           </a:bodyPr>
           <a:lstStyle/>
           <a:p>
             <a:pPr algn="l"/>
             <a:r>
+              <a:rPr lang="ru-RU" sz="3600" dirty="0"/>
+              <a:t>Приложение определения местоположения сотрудников</a:t>
+            </a:r>
+          </a:p>
+        </p:txBody>
+      </p:sp>
+      <p:sp>
+        <p:nvSpPr>
+          <p:cNvPr id="3" name="Подзаголовок 2"/>
+          <p:cNvSpPr>
+            <a:spLocks noGrp="1"/>
+          </p:cNvSpPr>
+          <p:nvPr>
+            <p:ph type="subTitle" idx="1"/>
+          </p:nvPr>
+        </p:nvSpPr>
+        <p:spPr/>
+        <p:txBody>
+          <a:bodyPr/>
+          <a:lstStyle/>
+          <a:p>
+            <a:pPr algn="ctr"/>
+            <a:r>
               <a:rPr lang="ru-RU" dirty="0"/>
-              <a:t>Приложение для сотрудников фитнес центра</a:t>
-            </a:r>
-          </a:p>
-        </p:txBody>
-      </p:sp>
-      <p:sp>
-        <p:nvSpPr>
-          <p:cNvPr id="3" name="Подзаголовок 2"/>
-          <p:cNvSpPr>
-            <a:spLocks noGrp="1"/>
-          </p:cNvSpPr>
-          <p:nvPr>
-            <p:ph type="subTitle" idx="1"/>
-          </p:nvPr>
-        </p:nvSpPr>
-        <p:spPr/>
-        <p:txBody>
-          <a:bodyPr/>
-          <a:lstStyle/>
-          <a:p>
-            <a:pPr algn="ctr"/>
+              <a:t>Исполнитель: </a:t>
+            </a:r>
+            <a:r>
+              <a:rPr lang="ru-RU" dirty="0" err="1"/>
+              <a:t>Антюхов</a:t>
+            </a:r>
             <a:r>
               <a:rPr lang="ru-RU" dirty="0"/>
-              <a:t>Исполнитель: Мустафин Д. И., ИУК5-51.Б</a:t>
+              <a:t> А.А., ИУК5-51Б</a:t>
             </a:r>
           </a:p>
           <a:p>
@@ -4116,6 +4127,291 @@
         </p:nvSpPr>
         <p:spPr>
           <a:xfrm>
+            <a:off x="467544" y="548680"/>
+            <a:ext cx="8183880" cy="1008112"/>
+          </a:xfrm>
+        </p:spPr>
+        <p:txBody>
+          <a:bodyPr>
+            <a:normAutofit fontScale="90000"/>
+          </a:bodyPr>
+          <a:lstStyle/>
+          <a:p>
+            <a:pPr algn="ctr"/>
+            <a:r>
+              <a:rPr lang="ru-RU" dirty="0"/>
+              <a:t>Окно просмотра времени пребывания сотрудника в зонах</a:t>
+            </a:r>
+          </a:p>
+        </p:txBody>
+      </p:sp>
+      <p:pic>
+        <p:nvPicPr>
+          <p:cNvPr id="5" name="Рисунок 4">
+            <a:extLst>
+              <a:ext uri="{FF2B5EF4-FFF2-40B4-BE49-F238E27FC236}">
+                <a16:creationId xmlns:a16="http://schemas.microsoft.com/office/drawing/2014/main" id="{AF4A4F9B-73E1-45F3-A642-BFC800B07006}"/>
+              </a:ext>
+            </a:extLst>
+          </p:cNvPr>
+          <p:cNvPicPr/>
+          <p:nvPr/>
+        </p:nvPicPr>
+        <p:blipFill rotWithShape="1">
+          <a:blip r:embed="rId2"/>
+          <a:srcRect l="1484" t="723" r="916" b="37108"/>
+          <a:stretch/>
+        </p:blipFill>
+        <p:spPr bwMode="auto">
+          <a:xfrm>
+            <a:off x="3010535" y="2407920"/>
+            <a:ext cx="3122930" cy="2042160"/>
+          </a:xfrm>
+          <a:prstGeom prst="rect">
+            <a:avLst/>
+          </a:prstGeom>
+          <a:ln>
+            <a:noFill/>
+          </a:ln>
+          <a:extLst>
+            <a:ext uri="{53640926-AAD7-44D8-BBD7-CCE9431645EC}">
+              <a14:shadowObscured xmlns:a14="http://schemas.microsoft.com/office/drawing/2010/main"/>
+            </a:ext>
+          </a:extLst>
+        </p:spPr>
+      </p:pic>
+    </p:spTree>
+    <p:extLst>
+      <p:ext uri="{BB962C8B-B14F-4D97-AF65-F5344CB8AC3E}">
+        <p14:creationId xmlns:p14="http://schemas.microsoft.com/office/powerpoint/2010/main" val="1695795428"/>
+      </p:ext>
+    </p:extLst>
+  </p:cSld>
+  <p:clrMapOvr>
+    <a:masterClrMapping/>
+  </p:clrMapOvr>
+</p:sld>
+</file>
+
+<file path=ppt/slides/slide11.xml><?xml version="1.0" encoding="utf-8"?>
+<p:sld xmlns:a="http://schemas.openxmlformats.org/drawingml/2006/main" xmlns:r="http://schemas.openxmlformats.org/officeDocument/2006/relationships" xmlns:p="http://schemas.openxmlformats.org/presentationml/2006/main">
+  <p:cSld>
+    <p:spTree>
+      <p:nvGrpSpPr>
+        <p:cNvPr id="1" name=""/>
+        <p:cNvGrpSpPr/>
+        <p:nvPr/>
+      </p:nvGrpSpPr>
+      <p:grpSpPr>
+        <a:xfrm>
+          <a:off x="0" y="0"/>
+          <a:ext cx="0" cy="0"/>
+          <a:chOff x="0" y="0"/>
+          <a:chExt cx="0" cy="0"/>
+        </a:xfrm>
+      </p:grpSpPr>
+      <p:sp>
+        <p:nvSpPr>
+          <p:cNvPr id="2" name="Заголовок 1"/>
+          <p:cNvSpPr>
+            <a:spLocks noGrp="1"/>
+          </p:cNvSpPr>
+          <p:nvPr>
+            <p:ph type="title"/>
+          </p:nvPr>
+        </p:nvSpPr>
+        <p:spPr>
+          <a:xfrm>
+            <a:off x="467544" y="548680"/>
+            <a:ext cx="8183880" cy="1008112"/>
+          </a:xfrm>
+        </p:spPr>
+        <p:txBody>
+          <a:bodyPr>
+            <a:normAutofit fontScale="90000"/>
+          </a:bodyPr>
+          <a:lstStyle/>
+          <a:p>
+            <a:pPr algn="ctr"/>
+            <a:r>
+              <a:rPr lang="ru-RU" dirty="0"/>
+              <a:t>Окно просмотра переработки сотрудника</a:t>
+            </a:r>
+          </a:p>
+        </p:txBody>
+      </p:sp>
+      <p:pic>
+        <p:nvPicPr>
+          <p:cNvPr id="5" name="Рисунок 4">
+            <a:extLst>
+              <a:ext uri="{FF2B5EF4-FFF2-40B4-BE49-F238E27FC236}">
+                <a16:creationId xmlns:a16="http://schemas.microsoft.com/office/drawing/2014/main" id="{1C4BF7B8-16E5-4ACD-AB19-E2E30D4B1262}"/>
+              </a:ext>
+            </a:extLst>
+          </p:cNvPr>
+          <p:cNvPicPr/>
+          <p:nvPr/>
+        </p:nvPicPr>
+        <p:blipFill rotWithShape="1">
+          <a:blip r:embed="rId2"/>
+          <a:srcRect l="1197" t="1816" r="1140"/>
+          <a:stretch/>
+        </p:blipFill>
+        <p:spPr bwMode="auto">
+          <a:xfrm>
+            <a:off x="2149475" y="2466022"/>
+            <a:ext cx="4845050" cy="1925955"/>
+          </a:xfrm>
+          <a:prstGeom prst="rect">
+            <a:avLst/>
+          </a:prstGeom>
+          <a:ln>
+            <a:noFill/>
+          </a:ln>
+          <a:extLst>
+            <a:ext uri="{53640926-AAD7-44D8-BBD7-CCE9431645EC}">
+              <a14:shadowObscured xmlns:a14="http://schemas.microsoft.com/office/drawing/2010/main"/>
+            </a:ext>
+          </a:extLst>
+        </p:spPr>
+      </p:pic>
+    </p:spTree>
+    <p:extLst>
+      <p:ext uri="{BB962C8B-B14F-4D97-AF65-F5344CB8AC3E}">
+        <p14:creationId xmlns:p14="http://schemas.microsoft.com/office/powerpoint/2010/main" val="3146877872"/>
+      </p:ext>
+    </p:extLst>
+  </p:cSld>
+  <p:clrMapOvr>
+    <a:masterClrMapping/>
+  </p:clrMapOvr>
+</p:sld>
+</file>
+
+<file path=ppt/slides/slide12.xml><?xml version="1.0" encoding="utf-8"?>
+<p:sld xmlns:a="http://schemas.openxmlformats.org/drawingml/2006/main" xmlns:r="http://schemas.openxmlformats.org/officeDocument/2006/relationships" xmlns:p="http://schemas.openxmlformats.org/presentationml/2006/main">
+  <p:cSld>
+    <p:spTree>
+      <p:nvGrpSpPr>
+        <p:cNvPr id="1" name=""/>
+        <p:cNvGrpSpPr/>
+        <p:nvPr/>
+      </p:nvGrpSpPr>
+      <p:grpSpPr>
+        <a:xfrm>
+          <a:off x="0" y="0"/>
+          <a:ext cx="0" cy="0"/>
+          <a:chOff x="0" y="0"/>
+          <a:chExt cx="0" cy="0"/>
+        </a:xfrm>
+      </p:grpSpPr>
+      <p:sp>
+        <p:nvSpPr>
+          <p:cNvPr id="2" name="Заголовок 1"/>
+          <p:cNvSpPr>
+            <a:spLocks noGrp="1"/>
+          </p:cNvSpPr>
+          <p:nvPr>
+            <p:ph type="title"/>
+          </p:nvPr>
+        </p:nvSpPr>
+        <p:spPr>
+          <a:xfrm>
+            <a:off x="467544" y="548680"/>
+            <a:ext cx="8183880" cy="1080120"/>
+          </a:xfrm>
+        </p:spPr>
+        <p:txBody>
+          <a:bodyPr>
+            <a:normAutofit fontScale="90000"/>
+          </a:bodyPr>
+          <a:lstStyle/>
+          <a:p>
+            <a:pPr algn="ctr"/>
+            <a:r>
+              <a:rPr lang="ru-RU" dirty="0"/>
+              <a:t>Окно просмотра маршрута сотрудника</a:t>
+            </a:r>
+          </a:p>
+        </p:txBody>
+      </p:sp>
+      <p:pic>
+        <p:nvPicPr>
+          <p:cNvPr id="5" name="Рисунок 4">
+            <a:extLst>
+              <a:ext uri="{FF2B5EF4-FFF2-40B4-BE49-F238E27FC236}">
+                <a16:creationId xmlns:a16="http://schemas.microsoft.com/office/drawing/2014/main" id="{7CC00A44-1106-4974-BCF5-D28D0B23C13C}"/>
+              </a:ext>
+            </a:extLst>
+          </p:cNvPr>
+          <p:cNvPicPr/>
+          <p:nvPr/>
+        </p:nvPicPr>
+        <p:blipFill rotWithShape="1">
+          <a:blip r:embed="rId2"/>
+          <a:srcRect l="440" t="631" r="605" b="30596"/>
+          <a:stretch/>
+        </p:blipFill>
+        <p:spPr bwMode="auto">
+          <a:xfrm>
+            <a:off x="1579934" y="1989847"/>
+            <a:ext cx="5984131" cy="2878306"/>
+          </a:xfrm>
+          <a:prstGeom prst="rect">
+            <a:avLst/>
+          </a:prstGeom>
+          <a:ln>
+            <a:noFill/>
+          </a:ln>
+          <a:extLst>
+            <a:ext uri="{53640926-AAD7-44D8-BBD7-CCE9431645EC}">
+              <a14:shadowObscured xmlns:a14="http://schemas.microsoft.com/office/drawing/2010/main"/>
+            </a:ext>
+          </a:extLst>
+        </p:spPr>
+      </p:pic>
+    </p:spTree>
+    <p:extLst>
+      <p:ext uri="{BB962C8B-B14F-4D97-AF65-F5344CB8AC3E}">
+        <p14:creationId xmlns:p14="http://schemas.microsoft.com/office/powerpoint/2010/main" val="2436694033"/>
+      </p:ext>
+    </p:extLst>
+  </p:cSld>
+  <p:clrMapOvr>
+    <a:masterClrMapping/>
+  </p:clrMapOvr>
+</p:sld>
+</file>
+
+<file path=ppt/slides/slide13.xml><?xml version="1.0" encoding="utf-8"?>
+<p:sld xmlns:a="http://schemas.openxmlformats.org/drawingml/2006/main" xmlns:r="http://schemas.openxmlformats.org/officeDocument/2006/relationships" xmlns:p="http://schemas.openxmlformats.org/presentationml/2006/main">
+  <p:cSld>
+    <p:spTree>
+      <p:nvGrpSpPr>
+        <p:cNvPr id="1" name=""/>
+        <p:cNvGrpSpPr/>
+        <p:nvPr/>
+      </p:nvGrpSpPr>
+      <p:grpSpPr>
+        <a:xfrm>
+          <a:off x="0" y="0"/>
+          <a:ext cx="0" cy="0"/>
+          <a:chOff x="0" y="0"/>
+          <a:chExt cx="0" cy="0"/>
+        </a:xfrm>
+      </p:grpSpPr>
+      <p:sp>
+        <p:nvSpPr>
+          <p:cNvPr id="2" name="Заголовок 1"/>
+          <p:cNvSpPr>
+            <a:spLocks noGrp="1"/>
+          </p:cNvSpPr>
+          <p:nvPr>
+            <p:ph type="title"/>
+          </p:nvPr>
+        </p:nvSpPr>
+        <p:spPr>
+          <a:xfrm>
             <a:off x="395536" y="836712"/>
             <a:ext cx="8280920" cy="1728192"/>
           </a:xfrm>
@@ -4220,7 +4516,7 @@
           <a:p>
             <a:r>
               <a:rPr lang="ru-RU" dirty="0"/>
-              <a:t>Создание приложения для сотрудников фитнес центра.</a:t>
+              <a:t>Создание приложения для сотрудников предприятия/офиса.</a:t>
             </a:r>
           </a:p>
         </p:txBody>
@@ -4499,8 +4795,16 @@
       </p:sp>
       <p:pic>
         <p:nvPicPr>
-          <p:cNvPr id="4" name="Рисунок 3" descr="2020-12-22"/>
-          <p:cNvPicPr/>
+          <p:cNvPr id="5" name="Рисунок 4">
+            <a:extLst>
+              <a:ext uri="{FF2B5EF4-FFF2-40B4-BE49-F238E27FC236}">
+                <a16:creationId xmlns:a16="http://schemas.microsoft.com/office/drawing/2014/main" id="{0F262488-E1A2-4BE2-B543-A0B74BF0D13F}"/>
+              </a:ext>
+            </a:extLst>
+          </p:cNvPr>
+          <p:cNvPicPr>
+            <a:picLocks noChangeAspect="1"/>
+          </p:cNvPicPr>
           <p:nvPr/>
         </p:nvPicPr>
         <p:blipFill>
@@ -4511,23 +4815,18 @@
               </a:ext>
             </a:extLst>
           </a:blip>
-          <a:srcRect/>
           <a:stretch>
             <a:fillRect/>
           </a:stretch>
         </p:blipFill>
-        <p:spPr bwMode="auto">
-          <a:xfrm>
-            <a:off x="395536" y="1584323"/>
-            <a:ext cx="8424936" cy="4724995"/>
+        <p:spPr>
+          <a:xfrm>
+            <a:off x="611560" y="2316842"/>
+            <a:ext cx="7895848" cy="2504409"/>
           </a:xfrm>
           <a:prstGeom prst="rect">
             <a:avLst/>
           </a:prstGeom>
-          <a:noFill/>
-          <a:ln>
-            <a:noFill/>
-          </a:ln>
         </p:spPr>
       </p:pic>
     </p:spTree>
@@ -4739,9 +5038,15 @@
       </p:sp>
       <p:pic>
         <p:nvPicPr>
-          <p:cNvPr id="3075" name="Picture 3" descr="C:\Users\dimad\OneDrive\Изображения\Снимки экрана\2020-12-24.png"/>
+          <p:cNvPr id="6" name="Рисунок 5">
+            <a:extLst>
+              <a:ext uri="{FF2B5EF4-FFF2-40B4-BE49-F238E27FC236}">
+                <a16:creationId xmlns:a16="http://schemas.microsoft.com/office/drawing/2014/main" id="{A52D45D0-36D8-444B-A0E0-918D6A8C4AE3}"/>
+              </a:ext>
+            </a:extLst>
+          </p:cNvPr>
           <p:cNvPicPr>
-            <a:picLocks noChangeAspect="1" noChangeArrowheads="1"/>
+            <a:picLocks noChangeAspect="1"/>
           </p:cNvPicPr>
           <p:nvPr/>
         </p:nvPicPr>
@@ -4753,29 +5058,18 @@
               </a:ext>
             </a:extLst>
           </a:blip>
-          <a:srcRect/>
           <a:stretch>
             <a:fillRect/>
           </a:stretch>
         </p:blipFill>
-        <p:spPr bwMode="auto">
-          <a:xfrm>
-            <a:off x="0" y="1556792"/>
-            <a:ext cx="9144000" cy="4503288"/>
+        <p:spPr>
+          <a:xfrm>
+            <a:off x="1031092" y="1556792"/>
+            <a:ext cx="7056784" cy="4234071"/>
           </a:xfrm>
           <a:prstGeom prst="rect">
             <a:avLst/>
           </a:prstGeom>
-          <a:noFill/>
-          <a:extLst>
-            <a:ext uri="{909E8E84-426E-40DD-AFC4-6F175D3DCCD1}">
-              <a14:hiddenFill xmlns:a14="http://schemas.microsoft.com/office/drawing/2010/main">
-                <a:solidFill>
-                  <a:srgbClr val="FFFFFF"/>
-                </a:solidFill>
-              </a14:hiddenFill>
-            </a:ext>
-          </a:extLst>
         </p:spPr>
       </p:pic>
     </p:spTree>
@@ -4840,41 +5134,35 @@
       </p:sp>
       <p:pic>
         <p:nvPicPr>
-          <p:cNvPr id="6147" name="Picture 3" descr="C:\Users\dimad\OneDrive\Изображения\Снимки экрана\2020-12-24 (1).png"/>
-          <p:cNvPicPr>
-            <a:picLocks noChangeAspect="1" noChangeArrowheads="1"/>
-          </p:cNvPicPr>
+          <p:cNvPr id="4" name="Рисунок 3">
+            <a:extLst>
+              <a:ext uri="{FF2B5EF4-FFF2-40B4-BE49-F238E27FC236}">
+                <a16:creationId xmlns:a16="http://schemas.microsoft.com/office/drawing/2014/main" id="{A378D84D-CE7A-4224-B294-30CB52CB2E33}"/>
+              </a:ext>
+            </a:extLst>
+          </p:cNvPr>
+          <p:cNvPicPr/>
           <p:nvPr/>
         </p:nvPicPr>
-        <p:blipFill>
-          <a:blip r:embed="rId2">
-            <a:extLst>
-              <a:ext uri="{28A0092B-C50C-407E-A947-70E740481C1C}">
-                <a14:useLocalDpi xmlns:a14="http://schemas.microsoft.com/office/drawing/2010/main" val="0"/>
-              </a:ext>
-            </a:extLst>
-          </a:blip>
-          <a:srcRect/>
-          <a:stretch>
-            <a:fillRect/>
-          </a:stretch>
+        <p:blipFill rotWithShape="1">
+          <a:blip r:embed="rId2"/>
+          <a:srcRect l="1127" t="1502" r="1237" b="4574"/>
+          <a:stretch/>
         </p:blipFill>
         <p:spPr bwMode="auto">
           <a:xfrm>
-            <a:off x="2928640" y="1484784"/>
-            <a:ext cx="3362325" cy="4238625"/>
+            <a:off x="2432323" y="2373925"/>
+            <a:ext cx="4279354" cy="2110150"/>
           </a:xfrm>
           <a:prstGeom prst="rect">
             <a:avLst/>
           </a:prstGeom>
-          <a:noFill/>
+          <a:ln>
+            <a:noFill/>
+          </a:ln>
           <a:extLst>
-            <a:ext uri="{909E8E84-426E-40DD-AFC4-6F175D3DCCD1}">
-              <a14:hiddenFill xmlns:a14="http://schemas.microsoft.com/office/drawing/2010/main">
-                <a:solidFill>
-                  <a:srgbClr val="FFFFFF"/>
-                </a:solidFill>
-              </a14:hiddenFill>
+            <a:ext uri="{53640926-AAD7-44D8-BBD7-CCE9431645EC}">
+              <a14:shadowObscured xmlns:a14="http://schemas.microsoft.com/office/drawing/2010/main"/>
             </a:ext>
           </a:extLst>
         </p:spPr>
@@ -4941,41 +5229,35 @@
       </p:sp>
       <p:pic>
         <p:nvPicPr>
-          <p:cNvPr id="7170" name="Picture 2" descr="C:\Users\dimad\OneDrive\Изображения\Снимки экрана\2020-12-24 (2).png"/>
-          <p:cNvPicPr>
-            <a:picLocks noChangeAspect="1" noChangeArrowheads="1"/>
-          </p:cNvPicPr>
+          <p:cNvPr id="5" name="Рисунок 4">
+            <a:extLst>
+              <a:ext uri="{FF2B5EF4-FFF2-40B4-BE49-F238E27FC236}">
+                <a16:creationId xmlns:a16="http://schemas.microsoft.com/office/drawing/2014/main" id="{E1B4111C-DA8B-48B3-967E-28F3548096BA}"/>
+              </a:ext>
+            </a:extLst>
+          </p:cNvPr>
+          <p:cNvPicPr/>
           <p:nvPr/>
         </p:nvPicPr>
-        <p:blipFill>
-          <a:blip r:embed="rId2">
-            <a:extLst>
-              <a:ext uri="{28A0092B-C50C-407E-A947-70E740481C1C}">
-                <a14:useLocalDpi xmlns:a14="http://schemas.microsoft.com/office/drawing/2010/main" val="0"/>
-              </a:ext>
-            </a:extLst>
-          </a:blip>
-          <a:srcRect/>
-          <a:stretch>
-            <a:fillRect/>
-          </a:stretch>
+        <p:blipFill rotWithShape="1">
+          <a:blip r:embed="rId2"/>
+          <a:srcRect l="815" t="841" r="579" b="1344"/>
+          <a:stretch/>
         </p:blipFill>
         <p:spPr bwMode="auto">
           <a:xfrm>
-            <a:off x="755576" y="1524836"/>
-            <a:ext cx="7589838" cy="4210050"/>
+            <a:off x="1698307" y="2045652"/>
+            <a:ext cx="5747385" cy="2766695"/>
           </a:xfrm>
           <a:prstGeom prst="rect">
             <a:avLst/>
           </a:prstGeom>
-          <a:noFill/>
+          <a:ln>
+            <a:noFill/>
+          </a:ln>
           <a:extLst>
-            <a:ext uri="{909E8E84-426E-40DD-AFC4-6F175D3DCCD1}">
-              <a14:hiddenFill xmlns:a14="http://schemas.microsoft.com/office/drawing/2010/main">
-                <a:solidFill>
-                  <a:srgbClr val="FFFFFF"/>
-                </a:solidFill>
-              </a14:hiddenFill>
+            <a:ext uri="{53640926-AAD7-44D8-BBD7-CCE9431645EC}">
+              <a14:shadowObscured xmlns:a14="http://schemas.microsoft.com/office/drawing/2010/main"/>
             </a:ext>
           </a:extLst>
         </p:spPr>

--- a/Документация и картинки/Презентация на защиту.pptx
+++ b/Документация и картинки/Презентация на защиту.pptx
@@ -435,7 +435,7 @@
           <a:p>
             <a:fld id="{D174C4E5-89D9-46D8-8895-5B68F99C9B1B}" type="datetimeFigureOut">
               <a:rPr lang="ru-RU" smtClean="0"/>
-              <a:t>23.03.2021</a:t>
+              <a:t>24.03.2021</a:t>
             </a:fld>
             <a:endParaRPr lang="ru-RU"/>
           </a:p>
@@ -610,7 +610,7 @@
           <a:p>
             <a:fld id="{D174C4E5-89D9-46D8-8895-5B68F99C9B1B}" type="datetimeFigureOut">
               <a:rPr lang="ru-RU" smtClean="0"/>
-              <a:t>23.03.2021</a:t>
+              <a:t>24.03.2021</a:t>
             </a:fld>
             <a:endParaRPr lang="ru-RU"/>
           </a:p>
@@ -785,7 +785,7 @@
           <a:p>
             <a:fld id="{D174C4E5-89D9-46D8-8895-5B68F99C9B1B}" type="datetimeFigureOut">
               <a:rPr lang="ru-RU" smtClean="0"/>
-              <a:t>23.03.2021</a:t>
+              <a:t>24.03.2021</a:t>
             </a:fld>
             <a:endParaRPr lang="ru-RU"/>
           </a:p>
@@ -960,7 +960,7 @@
           <a:p>
             <a:fld id="{D174C4E5-89D9-46D8-8895-5B68F99C9B1B}" type="datetimeFigureOut">
               <a:rPr lang="ru-RU" smtClean="0"/>
-              <a:t>23.03.2021</a:t>
+              <a:t>24.03.2021</a:t>
             </a:fld>
             <a:endParaRPr lang="ru-RU"/>
           </a:p>
@@ -1331,7 +1331,7 @@
           <a:p>
             <a:fld id="{D174C4E5-89D9-46D8-8895-5B68F99C9B1B}" type="datetimeFigureOut">
               <a:rPr lang="ru-RU" smtClean="0"/>
-              <a:t>23.03.2021</a:t>
+              <a:t>24.03.2021</a:t>
             </a:fld>
             <a:endParaRPr lang="ru-RU"/>
           </a:p>
@@ -1592,7 +1592,7 @@
           <a:p>
             <a:fld id="{D174C4E5-89D9-46D8-8895-5B68F99C9B1B}" type="datetimeFigureOut">
               <a:rPr lang="ru-RU" smtClean="0"/>
-              <a:t>23.03.2021</a:t>
+              <a:t>24.03.2021</a:t>
             </a:fld>
             <a:endParaRPr lang="ru-RU"/>
           </a:p>
@@ -1971,7 +1971,7 @@
           <a:p>
             <a:fld id="{D174C4E5-89D9-46D8-8895-5B68F99C9B1B}" type="datetimeFigureOut">
               <a:rPr lang="ru-RU" smtClean="0"/>
-              <a:t>23.03.2021</a:t>
+              <a:t>24.03.2021</a:t>
             </a:fld>
             <a:endParaRPr lang="ru-RU"/>
           </a:p>
@@ -2084,7 +2084,7 @@
           <a:p>
             <a:fld id="{D174C4E5-89D9-46D8-8895-5B68F99C9B1B}" type="datetimeFigureOut">
               <a:rPr lang="ru-RU" smtClean="0"/>
-              <a:t>23.03.2021</a:t>
+              <a:t>24.03.2021</a:t>
             </a:fld>
             <a:endParaRPr lang="ru-RU"/>
           </a:p>
@@ -2256,7 +2256,7 @@
           <a:p>
             <a:fld id="{D174C4E5-89D9-46D8-8895-5B68F99C9B1B}" type="datetimeFigureOut">
               <a:rPr lang="ru-RU" smtClean="0"/>
-              <a:t>23.03.2021</a:t>
+              <a:t>24.03.2021</a:t>
             </a:fld>
             <a:endParaRPr lang="ru-RU"/>
           </a:p>
@@ -2584,7 +2584,7 @@
           <a:p>
             <a:fld id="{D174C4E5-89D9-46D8-8895-5B68F99C9B1B}" type="datetimeFigureOut">
               <a:rPr lang="ru-RU" smtClean="0"/>
-              <a:t>23.03.2021</a:t>
+              <a:t>24.03.2021</a:t>
             </a:fld>
             <a:endParaRPr lang="ru-RU"/>
           </a:p>
@@ -2943,7 +2943,7 @@
           <a:p>
             <a:fld id="{D174C4E5-89D9-46D8-8895-5B68F99C9B1B}" type="datetimeFigureOut">
               <a:rPr lang="ru-RU" smtClean="0"/>
-              <a:t>23.03.2021</a:t>
+              <a:t>24.03.2021</a:t>
             </a:fld>
             <a:endParaRPr lang="ru-RU"/>
           </a:p>
@@ -3349,7 +3349,7 @@
           <a:p>
             <a:fld id="{D174C4E5-89D9-46D8-8895-5B68F99C9B1B}" type="datetimeFigureOut">
               <a:rPr lang="ru-RU" smtClean="0"/>
-              <a:t>23.03.2021</a:t>
+              <a:t>24.03.2021</a:t>
             </a:fld>
             <a:endParaRPr lang="ru-RU"/>
           </a:p>
@@ -4795,10 +4795,10 @@
       </p:sp>
       <p:pic>
         <p:nvPicPr>
-          <p:cNvPr id="5" name="Рисунок 4">
+          <p:cNvPr id="4" name="Рисунок 3">
             <a:extLst>
               <a:ext uri="{FF2B5EF4-FFF2-40B4-BE49-F238E27FC236}">
-                <a16:creationId xmlns:a16="http://schemas.microsoft.com/office/drawing/2014/main" id="{0F262488-E1A2-4BE2-B543-A0B74BF0D13F}"/>
+                <a16:creationId xmlns:a16="http://schemas.microsoft.com/office/drawing/2014/main" id="{C0D9B561-B438-4F07-9FCD-10D27A9D20AF}"/>
               </a:ext>
             </a:extLst>
           </p:cNvPr>
@@ -4821,8 +4821,8 @@
         </p:blipFill>
         <p:spPr>
           <a:xfrm>
-            <a:off x="611560" y="2316842"/>
-            <a:ext cx="7895848" cy="2504409"/>
+            <a:off x="485545" y="2132856"/>
+            <a:ext cx="8172909" cy="2592288"/>
           </a:xfrm>
           <a:prstGeom prst="rect">
             <a:avLst/>

--- a/Документация и картинки/Презентация на защиту.pptx
+++ b/Документация и картинки/Презентация на защиту.pptx
@@ -435,7 +435,7 @@
           <a:p>
             <a:fld id="{D174C4E5-89D9-46D8-8895-5B68F99C9B1B}" type="datetimeFigureOut">
               <a:rPr lang="ru-RU" smtClean="0"/>
-              <a:t>23.03.2021</a:t>
+              <a:t>24.03.2021</a:t>
             </a:fld>
             <a:endParaRPr lang="ru-RU"/>
           </a:p>
@@ -610,7 +610,7 @@
           <a:p>
             <a:fld id="{D174C4E5-89D9-46D8-8895-5B68F99C9B1B}" type="datetimeFigureOut">
               <a:rPr lang="ru-RU" smtClean="0"/>
-              <a:t>23.03.2021</a:t>
+              <a:t>24.03.2021</a:t>
             </a:fld>
             <a:endParaRPr lang="ru-RU"/>
           </a:p>
@@ -785,7 +785,7 @@
           <a:p>
             <a:fld id="{D174C4E5-89D9-46D8-8895-5B68F99C9B1B}" type="datetimeFigureOut">
               <a:rPr lang="ru-RU" smtClean="0"/>
-              <a:t>23.03.2021</a:t>
+              <a:t>24.03.2021</a:t>
             </a:fld>
             <a:endParaRPr lang="ru-RU"/>
           </a:p>
@@ -960,7 +960,7 @@
           <a:p>
             <a:fld id="{D174C4E5-89D9-46D8-8895-5B68F99C9B1B}" type="datetimeFigureOut">
               <a:rPr lang="ru-RU" smtClean="0"/>
-              <a:t>23.03.2021</a:t>
+              <a:t>24.03.2021</a:t>
             </a:fld>
             <a:endParaRPr lang="ru-RU"/>
           </a:p>
@@ -1331,7 +1331,7 @@
           <a:p>
             <a:fld id="{D174C4E5-89D9-46D8-8895-5B68F99C9B1B}" type="datetimeFigureOut">
               <a:rPr lang="ru-RU" smtClean="0"/>
-              <a:t>23.03.2021</a:t>
+              <a:t>24.03.2021</a:t>
             </a:fld>
             <a:endParaRPr lang="ru-RU"/>
           </a:p>
@@ -1592,7 +1592,7 @@
           <a:p>
             <a:fld id="{D174C4E5-89D9-46D8-8895-5B68F99C9B1B}" type="datetimeFigureOut">
               <a:rPr lang="ru-RU" smtClean="0"/>
-              <a:t>23.03.2021</a:t>
+              <a:t>24.03.2021</a:t>
             </a:fld>
             <a:endParaRPr lang="ru-RU"/>
           </a:p>
@@ -1971,7 +1971,7 @@
           <a:p>
             <a:fld id="{D174C4E5-89D9-46D8-8895-5B68F99C9B1B}" type="datetimeFigureOut">
               <a:rPr lang="ru-RU" smtClean="0"/>
-              <a:t>23.03.2021</a:t>
+              <a:t>24.03.2021</a:t>
             </a:fld>
             <a:endParaRPr lang="ru-RU"/>
           </a:p>
@@ -2084,7 +2084,7 @@
           <a:p>
             <a:fld id="{D174C4E5-89D9-46D8-8895-5B68F99C9B1B}" type="datetimeFigureOut">
               <a:rPr lang="ru-RU" smtClean="0"/>
-              <a:t>23.03.2021</a:t>
+              <a:t>24.03.2021</a:t>
             </a:fld>
             <a:endParaRPr lang="ru-RU"/>
           </a:p>
@@ -2256,7 +2256,7 @@
           <a:p>
             <a:fld id="{D174C4E5-89D9-46D8-8895-5B68F99C9B1B}" type="datetimeFigureOut">
               <a:rPr lang="ru-RU" smtClean="0"/>
-              <a:t>23.03.2021</a:t>
+              <a:t>24.03.2021</a:t>
             </a:fld>
             <a:endParaRPr lang="ru-RU"/>
           </a:p>
@@ -2584,7 +2584,7 @@
           <a:p>
             <a:fld id="{D174C4E5-89D9-46D8-8895-5B68F99C9B1B}" type="datetimeFigureOut">
               <a:rPr lang="ru-RU" smtClean="0"/>
-              <a:t>23.03.2021</a:t>
+              <a:t>24.03.2021</a:t>
             </a:fld>
             <a:endParaRPr lang="ru-RU"/>
           </a:p>
@@ -2943,7 +2943,7 @@
           <a:p>
             <a:fld id="{D174C4E5-89D9-46D8-8895-5B68F99C9B1B}" type="datetimeFigureOut">
               <a:rPr lang="ru-RU" smtClean="0"/>
-              <a:t>23.03.2021</a:t>
+              <a:t>24.03.2021</a:t>
             </a:fld>
             <a:endParaRPr lang="ru-RU"/>
           </a:p>
@@ -3349,7 +3349,7 @@
           <a:p>
             <a:fld id="{D174C4E5-89D9-46D8-8895-5B68F99C9B1B}" type="datetimeFigureOut">
               <a:rPr lang="ru-RU" smtClean="0"/>
-              <a:t>23.03.2021</a:t>
+              <a:t>24.03.2021</a:t>
             </a:fld>
             <a:endParaRPr lang="ru-RU"/>
           </a:p>
